--- a/Чистяков Василий.pptx
+++ b/Чистяков Василий.pptx
@@ -116,7 +116,7 @@
   </p:defaultTextStyle>
   <p:extLst>
     <p:ext uri="{EFAFB233-063F-42B5-8137-9DF3F51BA10A}">
-      <p15:sldGuideLst xmlns:p15="http://schemas.microsoft.com/office/powerpoint/2012/main" xmlns=""/>
+      <p15:sldGuideLst xmlns="" xmlns:p15="http://schemas.microsoft.com/office/powerpoint/2012/main"/>
     </p:ext>
   </p:extLst>
 </p:presentation>
@@ -144,7 +144,7 @@
           <p:cNvPr id="2" name="Заголовок 1">
             <a:extLst>
               <a:ext uri="{FF2B5EF4-FFF2-40B4-BE49-F238E27FC236}">
-                <a16:creationId xmlns:a16="http://schemas.microsoft.com/office/drawing/2014/main" xmlns="" id="{9AC77E42-C258-36EB-7F68-24AB10AC007F}"/>
+                <a16:creationId xmlns="" xmlns:a16="http://schemas.microsoft.com/office/drawing/2014/main" id="{9AC77E42-C258-36EB-7F68-24AB10AC007F}"/>
               </a:ext>
             </a:extLst>
           </p:cNvPr>
@@ -181,7 +181,7 @@
           <p:cNvPr id="3" name="Подзаголовок 2">
             <a:extLst>
               <a:ext uri="{FF2B5EF4-FFF2-40B4-BE49-F238E27FC236}">
-                <a16:creationId xmlns:a16="http://schemas.microsoft.com/office/drawing/2014/main" xmlns="" id="{A6BA66A8-70B2-A3E1-CD95-EFAF25A65932}"/>
+                <a16:creationId xmlns="" xmlns:a16="http://schemas.microsoft.com/office/drawing/2014/main" id="{A6BA66A8-70B2-A3E1-CD95-EFAF25A65932}"/>
               </a:ext>
             </a:extLst>
           </p:cNvPr>
@@ -251,7 +251,7 @@
           <p:cNvPr id="4" name="Дата 3">
             <a:extLst>
               <a:ext uri="{FF2B5EF4-FFF2-40B4-BE49-F238E27FC236}">
-                <a16:creationId xmlns:a16="http://schemas.microsoft.com/office/drawing/2014/main" xmlns="" id="{336F5717-F079-EB67-B727-CE7E0D74297C}"/>
+                <a16:creationId xmlns="" xmlns:a16="http://schemas.microsoft.com/office/drawing/2014/main" id="{336F5717-F079-EB67-B727-CE7E0D74297C}"/>
               </a:ext>
             </a:extLst>
           </p:cNvPr>
@@ -280,7 +280,7 @@
           <p:cNvPr id="5" name="Нижний колонтитул 4">
             <a:extLst>
               <a:ext uri="{FF2B5EF4-FFF2-40B4-BE49-F238E27FC236}">
-                <a16:creationId xmlns:a16="http://schemas.microsoft.com/office/drawing/2014/main" xmlns="" id="{1EC5BDC4-6A63-5495-F960-CB81C35860D5}"/>
+                <a16:creationId xmlns="" xmlns:a16="http://schemas.microsoft.com/office/drawing/2014/main" id="{1EC5BDC4-6A63-5495-F960-CB81C35860D5}"/>
               </a:ext>
             </a:extLst>
           </p:cNvPr>
@@ -305,7 +305,7 @@
           <p:cNvPr id="6" name="Номер слайда 5">
             <a:extLst>
               <a:ext uri="{FF2B5EF4-FFF2-40B4-BE49-F238E27FC236}">
-                <a16:creationId xmlns:a16="http://schemas.microsoft.com/office/drawing/2014/main" xmlns="" id="{708EA643-B98F-3844-E273-902CC02C225F}"/>
+                <a16:creationId xmlns="" xmlns:a16="http://schemas.microsoft.com/office/drawing/2014/main" id="{708EA643-B98F-3844-E273-902CC02C225F}"/>
               </a:ext>
             </a:extLst>
           </p:cNvPr>
@@ -364,7 +364,7 @@
           <p:cNvPr id="2" name="Заголовок 1">
             <a:extLst>
               <a:ext uri="{FF2B5EF4-FFF2-40B4-BE49-F238E27FC236}">
-                <a16:creationId xmlns:a16="http://schemas.microsoft.com/office/drawing/2014/main" xmlns="" id="{E82510B8-3F0A-3D8D-A5DC-82DB7714357F}"/>
+                <a16:creationId xmlns="" xmlns:a16="http://schemas.microsoft.com/office/drawing/2014/main" id="{E82510B8-3F0A-3D8D-A5DC-82DB7714357F}"/>
               </a:ext>
             </a:extLst>
           </p:cNvPr>
@@ -392,7 +392,7 @@
           <p:cNvPr id="3" name="Вертикальный текст 2">
             <a:extLst>
               <a:ext uri="{FF2B5EF4-FFF2-40B4-BE49-F238E27FC236}">
-                <a16:creationId xmlns:a16="http://schemas.microsoft.com/office/drawing/2014/main" xmlns="" id="{761BF829-D204-7AF1-8078-BA77D2F1EFC2}"/>
+                <a16:creationId xmlns="" xmlns:a16="http://schemas.microsoft.com/office/drawing/2014/main" id="{761BF829-D204-7AF1-8078-BA77D2F1EFC2}"/>
               </a:ext>
             </a:extLst>
           </p:cNvPr>
@@ -449,7 +449,7 @@
           <p:cNvPr id="4" name="Дата 3">
             <a:extLst>
               <a:ext uri="{FF2B5EF4-FFF2-40B4-BE49-F238E27FC236}">
-                <a16:creationId xmlns:a16="http://schemas.microsoft.com/office/drawing/2014/main" xmlns="" id="{E3B3921F-70B0-FE8E-763C-E9C40723A458}"/>
+                <a16:creationId xmlns="" xmlns:a16="http://schemas.microsoft.com/office/drawing/2014/main" id="{E3B3921F-70B0-FE8E-763C-E9C40723A458}"/>
               </a:ext>
             </a:extLst>
           </p:cNvPr>
@@ -478,7 +478,7 @@
           <p:cNvPr id="5" name="Нижний колонтитул 4">
             <a:extLst>
               <a:ext uri="{FF2B5EF4-FFF2-40B4-BE49-F238E27FC236}">
-                <a16:creationId xmlns:a16="http://schemas.microsoft.com/office/drawing/2014/main" xmlns="" id="{8B60FAA7-1543-0C4A-188A-DB04C2A20D14}"/>
+                <a16:creationId xmlns="" xmlns:a16="http://schemas.microsoft.com/office/drawing/2014/main" id="{8B60FAA7-1543-0C4A-188A-DB04C2A20D14}"/>
               </a:ext>
             </a:extLst>
           </p:cNvPr>
@@ -503,7 +503,7 @@
           <p:cNvPr id="6" name="Номер слайда 5">
             <a:extLst>
               <a:ext uri="{FF2B5EF4-FFF2-40B4-BE49-F238E27FC236}">
-                <a16:creationId xmlns:a16="http://schemas.microsoft.com/office/drawing/2014/main" xmlns="" id="{CDAD84FA-29E1-F93F-ACD4-69ED55812B1B}"/>
+                <a16:creationId xmlns="" xmlns:a16="http://schemas.microsoft.com/office/drawing/2014/main" id="{CDAD84FA-29E1-F93F-ACD4-69ED55812B1B}"/>
               </a:ext>
             </a:extLst>
           </p:cNvPr>
@@ -562,7 +562,7 @@
           <p:cNvPr id="2" name="Вертикальный заголовок 1">
             <a:extLst>
               <a:ext uri="{FF2B5EF4-FFF2-40B4-BE49-F238E27FC236}">
-                <a16:creationId xmlns:a16="http://schemas.microsoft.com/office/drawing/2014/main" xmlns="" id="{6FA0BCA4-323E-2211-92F0-D22B6ADEBD5A}"/>
+                <a16:creationId xmlns="" xmlns:a16="http://schemas.microsoft.com/office/drawing/2014/main" id="{6FA0BCA4-323E-2211-92F0-D22B6ADEBD5A}"/>
               </a:ext>
             </a:extLst>
           </p:cNvPr>
@@ -595,7 +595,7 @@
           <p:cNvPr id="3" name="Вертикальный текст 2">
             <a:extLst>
               <a:ext uri="{FF2B5EF4-FFF2-40B4-BE49-F238E27FC236}">
-                <a16:creationId xmlns:a16="http://schemas.microsoft.com/office/drawing/2014/main" xmlns="" id="{52136ACF-89AD-3869-054F-7E9B1D1B187F}"/>
+                <a16:creationId xmlns="" xmlns:a16="http://schemas.microsoft.com/office/drawing/2014/main" id="{52136ACF-89AD-3869-054F-7E9B1D1B187F}"/>
               </a:ext>
             </a:extLst>
           </p:cNvPr>
@@ -657,7 +657,7 @@
           <p:cNvPr id="4" name="Дата 3">
             <a:extLst>
               <a:ext uri="{FF2B5EF4-FFF2-40B4-BE49-F238E27FC236}">
-                <a16:creationId xmlns:a16="http://schemas.microsoft.com/office/drawing/2014/main" xmlns="" id="{6B6AFD0E-6EB0-099F-5D51-4D1BCC751AA8}"/>
+                <a16:creationId xmlns="" xmlns:a16="http://schemas.microsoft.com/office/drawing/2014/main" id="{6B6AFD0E-6EB0-099F-5D51-4D1BCC751AA8}"/>
               </a:ext>
             </a:extLst>
           </p:cNvPr>
@@ -686,7 +686,7 @@
           <p:cNvPr id="5" name="Нижний колонтитул 4">
             <a:extLst>
               <a:ext uri="{FF2B5EF4-FFF2-40B4-BE49-F238E27FC236}">
-                <a16:creationId xmlns:a16="http://schemas.microsoft.com/office/drawing/2014/main" xmlns="" id="{6A627CD8-E952-616F-F4DF-EDC407E80799}"/>
+                <a16:creationId xmlns="" xmlns:a16="http://schemas.microsoft.com/office/drawing/2014/main" id="{6A627CD8-E952-616F-F4DF-EDC407E80799}"/>
               </a:ext>
             </a:extLst>
           </p:cNvPr>
@@ -711,7 +711,7 @@
           <p:cNvPr id="6" name="Номер слайда 5">
             <a:extLst>
               <a:ext uri="{FF2B5EF4-FFF2-40B4-BE49-F238E27FC236}">
-                <a16:creationId xmlns:a16="http://schemas.microsoft.com/office/drawing/2014/main" xmlns="" id="{0F2174A0-57AD-FAF5-204D-4CB7954CC6E7}"/>
+                <a16:creationId xmlns="" xmlns:a16="http://schemas.microsoft.com/office/drawing/2014/main" id="{0F2174A0-57AD-FAF5-204D-4CB7954CC6E7}"/>
               </a:ext>
             </a:extLst>
           </p:cNvPr>
@@ -770,7 +770,7 @@
           <p:cNvPr id="2" name="Заголовок 1">
             <a:extLst>
               <a:ext uri="{FF2B5EF4-FFF2-40B4-BE49-F238E27FC236}">
-                <a16:creationId xmlns:a16="http://schemas.microsoft.com/office/drawing/2014/main" xmlns="" id="{B49B899F-A312-3507-0690-92E263F51123}"/>
+                <a16:creationId xmlns="" xmlns:a16="http://schemas.microsoft.com/office/drawing/2014/main" id="{B49B899F-A312-3507-0690-92E263F51123}"/>
               </a:ext>
             </a:extLst>
           </p:cNvPr>
@@ -798,7 +798,7 @@
           <p:cNvPr id="3" name="Объект 2">
             <a:extLst>
               <a:ext uri="{FF2B5EF4-FFF2-40B4-BE49-F238E27FC236}">
-                <a16:creationId xmlns:a16="http://schemas.microsoft.com/office/drawing/2014/main" xmlns="" id="{88C9658B-D7B0-40AE-0C27-C8DBC2EB1009}"/>
+                <a16:creationId xmlns="" xmlns:a16="http://schemas.microsoft.com/office/drawing/2014/main" id="{88C9658B-D7B0-40AE-0C27-C8DBC2EB1009}"/>
               </a:ext>
             </a:extLst>
           </p:cNvPr>
@@ -855,7 +855,7 @@
           <p:cNvPr id="4" name="Дата 3">
             <a:extLst>
               <a:ext uri="{FF2B5EF4-FFF2-40B4-BE49-F238E27FC236}">
-                <a16:creationId xmlns:a16="http://schemas.microsoft.com/office/drawing/2014/main" xmlns="" id="{DA38CBF9-C383-DB7A-052F-82709952FB68}"/>
+                <a16:creationId xmlns="" xmlns:a16="http://schemas.microsoft.com/office/drawing/2014/main" id="{DA38CBF9-C383-DB7A-052F-82709952FB68}"/>
               </a:ext>
             </a:extLst>
           </p:cNvPr>
@@ -884,7 +884,7 @@
           <p:cNvPr id="5" name="Нижний колонтитул 4">
             <a:extLst>
               <a:ext uri="{FF2B5EF4-FFF2-40B4-BE49-F238E27FC236}">
-                <a16:creationId xmlns:a16="http://schemas.microsoft.com/office/drawing/2014/main" xmlns="" id="{5C6C2DD7-CC57-012E-DD67-95FD8E3CA04E}"/>
+                <a16:creationId xmlns="" xmlns:a16="http://schemas.microsoft.com/office/drawing/2014/main" id="{5C6C2DD7-CC57-012E-DD67-95FD8E3CA04E}"/>
               </a:ext>
             </a:extLst>
           </p:cNvPr>
@@ -909,7 +909,7 @@
           <p:cNvPr id="6" name="Номер слайда 5">
             <a:extLst>
               <a:ext uri="{FF2B5EF4-FFF2-40B4-BE49-F238E27FC236}">
-                <a16:creationId xmlns:a16="http://schemas.microsoft.com/office/drawing/2014/main" xmlns="" id="{9C830D7E-5FC3-A734-72DE-B574A9AE633D}"/>
+                <a16:creationId xmlns="" xmlns:a16="http://schemas.microsoft.com/office/drawing/2014/main" id="{9C830D7E-5FC3-A734-72DE-B574A9AE633D}"/>
               </a:ext>
             </a:extLst>
           </p:cNvPr>
@@ -968,7 +968,7 @@
           <p:cNvPr id="2" name="Заголовок 1">
             <a:extLst>
               <a:ext uri="{FF2B5EF4-FFF2-40B4-BE49-F238E27FC236}">
-                <a16:creationId xmlns:a16="http://schemas.microsoft.com/office/drawing/2014/main" xmlns="" id="{E619B071-EE4D-FD56-A53E-79A8EC412947}"/>
+                <a16:creationId xmlns="" xmlns:a16="http://schemas.microsoft.com/office/drawing/2014/main" id="{E619B071-EE4D-FD56-A53E-79A8EC412947}"/>
               </a:ext>
             </a:extLst>
           </p:cNvPr>
@@ -1005,7 +1005,7 @@
           <p:cNvPr id="3" name="Текст 2">
             <a:extLst>
               <a:ext uri="{FF2B5EF4-FFF2-40B4-BE49-F238E27FC236}">
-                <a16:creationId xmlns:a16="http://schemas.microsoft.com/office/drawing/2014/main" xmlns="" id="{8C4BAE31-18F7-F7FA-9BD9-6CEE2BEC0721}"/>
+                <a16:creationId xmlns="" xmlns:a16="http://schemas.microsoft.com/office/drawing/2014/main" id="{8C4BAE31-18F7-F7FA-9BD9-6CEE2BEC0721}"/>
               </a:ext>
             </a:extLst>
           </p:cNvPr>
@@ -1130,7 +1130,7 @@
           <p:cNvPr id="4" name="Дата 3">
             <a:extLst>
               <a:ext uri="{FF2B5EF4-FFF2-40B4-BE49-F238E27FC236}">
-                <a16:creationId xmlns:a16="http://schemas.microsoft.com/office/drawing/2014/main" xmlns="" id="{FBA8DABE-AFD3-2C52-96FB-5962C42435E8}"/>
+                <a16:creationId xmlns="" xmlns:a16="http://schemas.microsoft.com/office/drawing/2014/main" id="{FBA8DABE-AFD3-2C52-96FB-5962C42435E8}"/>
               </a:ext>
             </a:extLst>
           </p:cNvPr>
@@ -1159,7 +1159,7 @@
           <p:cNvPr id="5" name="Нижний колонтитул 4">
             <a:extLst>
               <a:ext uri="{FF2B5EF4-FFF2-40B4-BE49-F238E27FC236}">
-                <a16:creationId xmlns:a16="http://schemas.microsoft.com/office/drawing/2014/main" xmlns="" id="{C8560788-7CA2-B6CE-CAF2-C8AC187608D9}"/>
+                <a16:creationId xmlns="" xmlns:a16="http://schemas.microsoft.com/office/drawing/2014/main" id="{C8560788-7CA2-B6CE-CAF2-C8AC187608D9}"/>
               </a:ext>
             </a:extLst>
           </p:cNvPr>
@@ -1184,7 +1184,7 @@
           <p:cNvPr id="6" name="Номер слайда 5">
             <a:extLst>
               <a:ext uri="{FF2B5EF4-FFF2-40B4-BE49-F238E27FC236}">
-                <a16:creationId xmlns:a16="http://schemas.microsoft.com/office/drawing/2014/main" xmlns="" id="{66F82951-91BC-FA70-45F9-2E10AE727BCB}"/>
+                <a16:creationId xmlns="" xmlns:a16="http://schemas.microsoft.com/office/drawing/2014/main" id="{66F82951-91BC-FA70-45F9-2E10AE727BCB}"/>
               </a:ext>
             </a:extLst>
           </p:cNvPr>
@@ -1243,7 +1243,7 @@
           <p:cNvPr id="2" name="Заголовок 1">
             <a:extLst>
               <a:ext uri="{FF2B5EF4-FFF2-40B4-BE49-F238E27FC236}">
-                <a16:creationId xmlns:a16="http://schemas.microsoft.com/office/drawing/2014/main" xmlns="" id="{262A2C56-9556-3EC4-995B-9869813D5302}"/>
+                <a16:creationId xmlns="" xmlns:a16="http://schemas.microsoft.com/office/drawing/2014/main" id="{262A2C56-9556-3EC4-995B-9869813D5302}"/>
               </a:ext>
             </a:extLst>
           </p:cNvPr>
@@ -1271,7 +1271,7 @@
           <p:cNvPr id="3" name="Объект 2">
             <a:extLst>
               <a:ext uri="{FF2B5EF4-FFF2-40B4-BE49-F238E27FC236}">
-                <a16:creationId xmlns:a16="http://schemas.microsoft.com/office/drawing/2014/main" xmlns="" id="{8EFAB2D1-8AA9-F7DC-58F4-81E5BD7A4838}"/>
+                <a16:creationId xmlns="" xmlns:a16="http://schemas.microsoft.com/office/drawing/2014/main" id="{8EFAB2D1-8AA9-F7DC-58F4-81E5BD7A4838}"/>
               </a:ext>
             </a:extLst>
           </p:cNvPr>
@@ -1333,7 +1333,7 @@
           <p:cNvPr id="4" name="Объект 3">
             <a:extLst>
               <a:ext uri="{FF2B5EF4-FFF2-40B4-BE49-F238E27FC236}">
-                <a16:creationId xmlns:a16="http://schemas.microsoft.com/office/drawing/2014/main" xmlns="" id="{34D149B7-12FA-7411-A826-AAB406558811}"/>
+                <a16:creationId xmlns="" xmlns:a16="http://schemas.microsoft.com/office/drawing/2014/main" id="{34D149B7-12FA-7411-A826-AAB406558811}"/>
               </a:ext>
             </a:extLst>
           </p:cNvPr>
@@ -1395,7 +1395,7 @@
           <p:cNvPr id="5" name="Дата 4">
             <a:extLst>
               <a:ext uri="{FF2B5EF4-FFF2-40B4-BE49-F238E27FC236}">
-                <a16:creationId xmlns:a16="http://schemas.microsoft.com/office/drawing/2014/main" xmlns="" id="{5BE6BC08-447C-9E38-D0BB-8D20A6754AF7}"/>
+                <a16:creationId xmlns="" xmlns:a16="http://schemas.microsoft.com/office/drawing/2014/main" id="{5BE6BC08-447C-9E38-D0BB-8D20A6754AF7}"/>
               </a:ext>
             </a:extLst>
           </p:cNvPr>
@@ -1424,7 +1424,7 @@
           <p:cNvPr id="6" name="Нижний колонтитул 5">
             <a:extLst>
               <a:ext uri="{FF2B5EF4-FFF2-40B4-BE49-F238E27FC236}">
-                <a16:creationId xmlns:a16="http://schemas.microsoft.com/office/drawing/2014/main" xmlns="" id="{19C25101-413B-7A3B-DCC0-EB5422322870}"/>
+                <a16:creationId xmlns="" xmlns:a16="http://schemas.microsoft.com/office/drawing/2014/main" id="{19C25101-413B-7A3B-DCC0-EB5422322870}"/>
               </a:ext>
             </a:extLst>
           </p:cNvPr>
@@ -1449,7 +1449,7 @@
           <p:cNvPr id="7" name="Номер слайда 6">
             <a:extLst>
               <a:ext uri="{FF2B5EF4-FFF2-40B4-BE49-F238E27FC236}">
-                <a16:creationId xmlns:a16="http://schemas.microsoft.com/office/drawing/2014/main" xmlns="" id="{0DEB2C3E-3C74-5F2F-3E57-B77FA0383D8A}"/>
+                <a16:creationId xmlns="" xmlns:a16="http://schemas.microsoft.com/office/drawing/2014/main" id="{0DEB2C3E-3C74-5F2F-3E57-B77FA0383D8A}"/>
               </a:ext>
             </a:extLst>
           </p:cNvPr>
@@ -1508,7 +1508,7 @@
           <p:cNvPr id="2" name="Заголовок 1">
             <a:extLst>
               <a:ext uri="{FF2B5EF4-FFF2-40B4-BE49-F238E27FC236}">
-                <a16:creationId xmlns:a16="http://schemas.microsoft.com/office/drawing/2014/main" xmlns="" id="{E43B0321-3C0F-2830-5840-1D8E5F441F1F}"/>
+                <a16:creationId xmlns="" xmlns:a16="http://schemas.microsoft.com/office/drawing/2014/main" id="{E43B0321-3C0F-2830-5840-1D8E5F441F1F}"/>
               </a:ext>
             </a:extLst>
           </p:cNvPr>
@@ -1541,7 +1541,7 @@
           <p:cNvPr id="3" name="Текст 2">
             <a:extLst>
               <a:ext uri="{FF2B5EF4-FFF2-40B4-BE49-F238E27FC236}">
-                <a16:creationId xmlns:a16="http://schemas.microsoft.com/office/drawing/2014/main" xmlns="" id="{B75A81EA-B0C1-7FA2-0CF8-1A3B2E6B0034}"/>
+                <a16:creationId xmlns="" xmlns:a16="http://schemas.microsoft.com/office/drawing/2014/main" id="{B75A81EA-B0C1-7FA2-0CF8-1A3B2E6B0034}"/>
               </a:ext>
             </a:extLst>
           </p:cNvPr>
@@ -1612,7 +1612,7 @@
           <p:cNvPr id="4" name="Объект 3">
             <a:extLst>
               <a:ext uri="{FF2B5EF4-FFF2-40B4-BE49-F238E27FC236}">
-                <a16:creationId xmlns:a16="http://schemas.microsoft.com/office/drawing/2014/main" xmlns="" id="{131EB527-5C85-1DEC-8084-2D79F5BBAE55}"/>
+                <a16:creationId xmlns="" xmlns:a16="http://schemas.microsoft.com/office/drawing/2014/main" id="{131EB527-5C85-1DEC-8084-2D79F5BBAE55}"/>
               </a:ext>
             </a:extLst>
           </p:cNvPr>
@@ -1674,7 +1674,7 @@
           <p:cNvPr id="5" name="Текст 4">
             <a:extLst>
               <a:ext uri="{FF2B5EF4-FFF2-40B4-BE49-F238E27FC236}">
-                <a16:creationId xmlns:a16="http://schemas.microsoft.com/office/drawing/2014/main" xmlns="" id="{532010B2-FBF6-436D-BE31-2BDD2219656C}"/>
+                <a16:creationId xmlns="" xmlns:a16="http://schemas.microsoft.com/office/drawing/2014/main" id="{532010B2-FBF6-436D-BE31-2BDD2219656C}"/>
               </a:ext>
             </a:extLst>
           </p:cNvPr>
@@ -1745,7 +1745,7 @@
           <p:cNvPr id="6" name="Объект 5">
             <a:extLst>
               <a:ext uri="{FF2B5EF4-FFF2-40B4-BE49-F238E27FC236}">
-                <a16:creationId xmlns:a16="http://schemas.microsoft.com/office/drawing/2014/main" xmlns="" id="{D6871153-7071-FD32-56E3-ACB73FE1DBAB}"/>
+                <a16:creationId xmlns="" xmlns:a16="http://schemas.microsoft.com/office/drawing/2014/main" id="{D6871153-7071-FD32-56E3-ACB73FE1DBAB}"/>
               </a:ext>
             </a:extLst>
           </p:cNvPr>
@@ -1807,7 +1807,7 @@
           <p:cNvPr id="7" name="Дата 6">
             <a:extLst>
               <a:ext uri="{FF2B5EF4-FFF2-40B4-BE49-F238E27FC236}">
-                <a16:creationId xmlns:a16="http://schemas.microsoft.com/office/drawing/2014/main" xmlns="" id="{7A14C830-8304-94ED-A9EE-83C0542F0066}"/>
+                <a16:creationId xmlns="" xmlns:a16="http://schemas.microsoft.com/office/drawing/2014/main" id="{7A14C830-8304-94ED-A9EE-83C0542F0066}"/>
               </a:ext>
             </a:extLst>
           </p:cNvPr>
@@ -1836,7 +1836,7 @@
           <p:cNvPr id="8" name="Нижний колонтитул 7">
             <a:extLst>
               <a:ext uri="{FF2B5EF4-FFF2-40B4-BE49-F238E27FC236}">
-                <a16:creationId xmlns:a16="http://schemas.microsoft.com/office/drawing/2014/main" xmlns="" id="{597D942F-3F70-9705-5C09-07322E0D063D}"/>
+                <a16:creationId xmlns="" xmlns:a16="http://schemas.microsoft.com/office/drawing/2014/main" id="{597D942F-3F70-9705-5C09-07322E0D063D}"/>
               </a:ext>
             </a:extLst>
           </p:cNvPr>
@@ -1861,7 +1861,7 @@
           <p:cNvPr id="9" name="Номер слайда 8">
             <a:extLst>
               <a:ext uri="{FF2B5EF4-FFF2-40B4-BE49-F238E27FC236}">
-                <a16:creationId xmlns:a16="http://schemas.microsoft.com/office/drawing/2014/main" xmlns="" id="{074CF8DB-3108-D696-89A8-62E4D8CF719F}"/>
+                <a16:creationId xmlns="" xmlns:a16="http://schemas.microsoft.com/office/drawing/2014/main" id="{074CF8DB-3108-D696-89A8-62E4D8CF719F}"/>
               </a:ext>
             </a:extLst>
           </p:cNvPr>
@@ -1920,7 +1920,7 @@
           <p:cNvPr id="2" name="Заголовок 1">
             <a:extLst>
               <a:ext uri="{FF2B5EF4-FFF2-40B4-BE49-F238E27FC236}">
-                <a16:creationId xmlns:a16="http://schemas.microsoft.com/office/drawing/2014/main" xmlns="" id="{26F7BE18-6473-C828-7C51-4DD211A6340C}"/>
+                <a16:creationId xmlns="" xmlns:a16="http://schemas.microsoft.com/office/drawing/2014/main" id="{26F7BE18-6473-C828-7C51-4DD211A6340C}"/>
               </a:ext>
             </a:extLst>
           </p:cNvPr>
@@ -1948,7 +1948,7 @@
           <p:cNvPr id="3" name="Дата 2">
             <a:extLst>
               <a:ext uri="{FF2B5EF4-FFF2-40B4-BE49-F238E27FC236}">
-                <a16:creationId xmlns:a16="http://schemas.microsoft.com/office/drawing/2014/main" xmlns="" id="{EFBA2E29-F175-0E3C-E701-0652244BC03E}"/>
+                <a16:creationId xmlns="" xmlns:a16="http://schemas.microsoft.com/office/drawing/2014/main" id="{EFBA2E29-F175-0E3C-E701-0652244BC03E}"/>
               </a:ext>
             </a:extLst>
           </p:cNvPr>
@@ -1977,7 +1977,7 @@
           <p:cNvPr id="4" name="Нижний колонтитул 3">
             <a:extLst>
               <a:ext uri="{FF2B5EF4-FFF2-40B4-BE49-F238E27FC236}">
-                <a16:creationId xmlns:a16="http://schemas.microsoft.com/office/drawing/2014/main" xmlns="" id="{A19DCB2D-0907-6AD2-644A-813B6085C2F8}"/>
+                <a16:creationId xmlns="" xmlns:a16="http://schemas.microsoft.com/office/drawing/2014/main" id="{A19DCB2D-0907-6AD2-644A-813B6085C2F8}"/>
               </a:ext>
             </a:extLst>
           </p:cNvPr>
@@ -2002,7 +2002,7 @@
           <p:cNvPr id="5" name="Номер слайда 4">
             <a:extLst>
               <a:ext uri="{FF2B5EF4-FFF2-40B4-BE49-F238E27FC236}">
-                <a16:creationId xmlns:a16="http://schemas.microsoft.com/office/drawing/2014/main" xmlns="" id="{4B1A550B-565E-4647-ED1C-440522A705CE}"/>
+                <a16:creationId xmlns="" xmlns:a16="http://schemas.microsoft.com/office/drawing/2014/main" id="{4B1A550B-565E-4647-ED1C-440522A705CE}"/>
               </a:ext>
             </a:extLst>
           </p:cNvPr>
@@ -2061,7 +2061,7 @@
           <p:cNvPr id="2" name="Дата 1">
             <a:extLst>
               <a:ext uri="{FF2B5EF4-FFF2-40B4-BE49-F238E27FC236}">
-                <a16:creationId xmlns:a16="http://schemas.microsoft.com/office/drawing/2014/main" xmlns="" id="{A99D24C5-2325-5DDC-3662-3396A141A7E6}"/>
+                <a16:creationId xmlns="" xmlns:a16="http://schemas.microsoft.com/office/drawing/2014/main" id="{A99D24C5-2325-5DDC-3662-3396A141A7E6}"/>
               </a:ext>
             </a:extLst>
           </p:cNvPr>
@@ -2090,7 +2090,7 @@
           <p:cNvPr id="3" name="Нижний колонтитул 2">
             <a:extLst>
               <a:ext uri="{FF2B5EF4-FFF2-40B4-BE49-F238E27FC236}">
-                <a16:creationId xmlns:a16="http://schemas.microsoft.com/office/drawing/2014/main" xmlns="" id="{A5D49781-9C4E-AC10-3B31-44E855F3B00C}"/>
+                <a16:creationId xmlns="" xmlns:a16="http://schemas.microsoft.com/office/drawing/2014/main" id="{A5D49781-9C4E-AC10-3B31-44E855F3B00C}"/>
               </a:ext>
             </a:extLst>
           </p:cNvPr>
@@ -2115,7 +2115,7 @@
           <p:cNvPr id="4" name="Номер слайда 3">
             <a:extLst>
               <a:ext uri="{FF2B5EF4-FFF2-40B4-BE49-F238E27FC236}">
-                <a16:creationId xmlns:a16="http://schemas.microsoft.com/office/drawing/2014/main" xmlns="" id="{0261D6CE-D741-E616-FDD9-4E9270C4E693}"/>
+                <a16:creationId xmlns="" xmlns:a16="http://schemas.microsoft.com/office/drawing/2014/main" id="{0261D6CE-D741-E616-FDD9-4E9270C4E693}"/>
               </a:ext>
             </a:extLst>
           </p:cNvPr>
@@ -2174,7 +2174,7 @@
           <p:cNvPr id="2" name="Заголовок 1">
             <a:extLst>
               <a:ext uri="{FF2B5EF4-FFF2-40B4-BE49-F238E27FC236}">
-                <a16:creationId xmlns:a16="http://schemas.microsoft.com/office/drawing/2014/main" xmlns="" id="{ED4DBFC0-5FAF-A798-660A-AA74FC353F0E}"/>
+                <a16:creationId xmlns="" xmlns:a16="http://schemas.microsoft.com/office/drawing/2014/main" id="{ED4DBFC0-5FAF-A798-660A-AA74FC353F0E}"/>
               </a:ext>
             </a:extLst>
           </p:cNvPr>
@@ -2211,7 +2211,7 @@
           <p:cNvPr id="3" name="Объект 2">
             <a:extLst>
               <a:ext uri="{FF2B5EF4-FFF2-40B4-BE49-F238E27FC236}">
-                <a16:creationId xmlns:a16="http://schemas.microsoft.com/office/drawing/2014/main" xmlns="" id="{89699A82-B649-57A3-AECC-892145E177AC}"/>
+                <a16:creationId xmlns="" xmlns:a16="http://schemas.microsoft.com/office/drawing/2014/main" id="{89699A82-B649-57A3-AECC-892145E177AC}"/>
               </a:ext>
             </a:extLst>
           </p:cNvPr>
@@ -2301,7 +2301,7 @@
           <p:cNvPr id="4" name="Текст 3">
             <a:extLst>
               <a:ext uri="{FF2B5EF4-FFF2-40B4-BE49-F238E27FC236}">
-                <a16:creationId xmlns:a16="http://schemas.microsoft.com/office/drawing/2014/main" xmlns="" id="{89157358-9712-7FE9-D634-D16817EB7D63}"/>
+                <a16:creationId xmlns="" xmlns:a16="http://schemas.microsoft.com/office/drawing/2014/main" id="{89157358-9712-7FE9-D634-D16817EB7D63}"/>
               </a:ext>
             </a:extLst>
           </p:cNvPr>
@@ -2372,7 +2372,7 @@
           <p:cNvPr id="5" name="Дата 4">
             <a:extLst>
               <a:ext uri="{FF2B5EF4-FFF2-40B4-BE49-F238E27FC236}">
-                <a16:creationId xmlns:a16="http://schemas.microsoft.com/office/drawing/2014/main" xmlns="" id="{3781F3C2-6081-F47B-6811-4C82655E41A4}"/>
+                <a16:creationId xmlns="" xmlns:a16="http://schemas.microsoft.com/office/drawing/2014/main" id="{3781F3C2-6081-F47B-6811-4C82655E41A4}"/>
               </a:ext>
             </a:extLst>
           </p:cNvPr>
@@ -2401,7 +2401,7 @@
           <p:cNvPr id="6" name="Нижний колонтитул 5">
             <a:extLst>
               <a:ext uri="{FF2B5EF4-FFF2-40B4-BE49-F238E27FC236}">
-                <a16:creationId xmlns:a16="http://schemas.microsoft.com/office/drawing/2014/main" xmlns="" id="{3F657484-BC94-FE2E-D52A-807F45BDEA86}"/>
+                <a16:creationId xmlns="" xmlns:a16="http://schemas.microsoft.com/office/drawing/2014/main" id="{3F657484-BC94-FE2E-D52A-807F45BDEA86}"/>
               </a:ext>
             </a:extLst>
           </p:cNvPr>
@@ -2426,7 +2426,7 @@
           <p:cNvPr id="7" name="Номер слайда 6">
             <a:extLst>
               <a:ext uri="{FF2B5EF4-FFF2-40B4-BE49-F238E27FC236}">
-                <a16:creationId xmlns:a16="http://schemas.microsoft.com/office/drawing/2014/main" xmlns="" id="{F63BC5F8-CC8B-C0B5-7BE5-7D638C071B9B}"/>
+                <a16:creationId xmlns="" xmlns:a16="http://schemas.microsoft.com/office/drawing/2014/main" id="{F63BC5F8-CC8B-C0B5-7BE5-7D638C071B9B}"/>
               </a:ext>
             </a:extLst>
           </p:cNvPr>
@@ -2485,7 +2485,7 @@
           <p:cNvPr id="2" name="Заголовок 1">
             <a:extLst>
               <a:ext uri="{FF2B5EF4-FFF2-40B4-BE49-F238E27FC236}">
-                <a16:creationId xmlns:a16="http://schemas.microsoft.com/office/drawing/2014/main" xmlns="" id="{FBDC5B50-B3DE-3B9F-A17B-C231476AA1BD}"/>
+                <a16:creationId xmlns="" xmlns:a16="http://schemas.microsoft.com/office/drawing/2014/main" id="{FBDC5B50-B3DE-3B9F-A17B-C231476AA1BD}"/>
               </a:ext>
             </a:extLst>
           </p:cNvPr>
@@ -2522,7 +2522,7 @@
           <p:cNvPr id="3" name="Рисунок 2">
             <a:extLst>
               <a:ext uri="{FF2B5EF4-FFF2-40B4-BE49-F238E27FC236}">
-                <a16:creationId xmlns:a16="http://schemas.microsoft.com/office/drawing/2014/main" xmlns="" id="{93563644-8F52-DF55-97E0-A62271D7D54F}"/>
+                <a16:creationId xmlns="" xmlns:a16="http://schemas.microsoft.com/office/drawing/2014/main" id="{93563644-8F52-DF55-97E0-A62271D7D54F}"/>
               </a:ext>
             </a:extLst>
           </p:cNvPr>
@@ -2589,7 +2589,7 @@
           <p:cNvPr id="4" name="Текст 3">
             <a:extLst>
               <a:ext uri="{FF2B5EF4-FFF2-40B4-BE49-F238E27FC236}">
-                <a16:creationId xmlns:a16="http://schemas.microsoft.com/office/drawing/2014/main" xmlns="" id="{5902632D-B753-F9AE-E4E1-6DD0E4E4915F}"/>
+                <a16:creationId xmlns="" xmlns:a16="http://schemas.microsoft.com/office/drawing/2014/main" id="{5902632D-B753-F9AE-E4E1-6DD0E4E4915F}"/>
               </a:ext>
             </a:extLst>
           </p:cNvPr>
@@ -2660,7 +2660,7 @@
           <p:cNvPr id="5" name="Дата 4">
             <a:extLst>
               <a:ext uri="{FF2B5EF4-FFF2-40B4-BE49-F238E27FC236}">
-                <a16:creationId xmlns:a16="http://schemas.microsoft.com/office/drawing/2014/main" xmlns="" id="{0A3C9342-6D54-5BEB-2215-9A5CB263089A}"/>
+                <a16:creationId xmlns="" xmlns:a16="http://schemas.microsoft.com/office/drawing/2014/main" id="{0A3C9342-6D54-5BEB-2215-9A5CB263089A}"/>
               </a:ext>
             </a:extLst>
           </p:cNvPr>
@@ -2689,7 +2689,7 @@
           <p:cNvPr id="6" name="Нижний колонтитул 5">
             <a:extLst>
               <a:ext uri="{FF2B5EF4-FFF2-40B4-BE49-F238E27FC236}">
-                <a16:creationId xmlns:a16="http://schemas.microsoft.com/office/drawing/2014/main" xmlns="" id="{6DBF430E-39E6-46DC-0B3F-3BA3A170471A}"/>
+                <a16:creationId xmlns="" xmlns:a16="http://schemas.microsoft.com/office/drawing/2014/main" id="{6DBF430E-39E6-46DC-0B3F-3BA3A170471A}"/>
               </a:ext>
             </a:extLst>
           </p:cNvPr>
@@ -2714,7 +2714,7 @@
           <p:cNvPr id="7" name="Номер слайда 6">
             <a:extLst>
               <a:ext uri="{FF2B5EF4-FFF2-40B4-BE49-F238E27FC236}">
-                <a16:creationId xmlns:a16="http://schemas.microsoft.com/office/drawing/2014/main" xmlns="" id="{19648CAC-CBEF-813C-73DF-EEF9CA546DFE}"/>
+                <a16:creationId xmlns="" xmlns:a16="http://schemas.microsoft.com/office/drawing/2014/main" id="{19648CAC-CBEF-813C-73DF-EEF9CA546DFE}"/>
               </a:ext>
             </a:extLst>
           </p:cNvPr>
@@ -2778,7 +2778,7 @@
           <p:cNvPr id="2" name="Заголовок 1">
             <a:extLst>
               <a:ext uri="{FF2B5EF4-FFF2-40B4-BE49-F238E27FC236}">
-                <a16:creationId xmlns:a16="http://schemas.microsoft.com/office/drawing/2014/main" xmlns="" id="{F31EC136-C24B-A7ED-5EE7-CE47B87629AE}"/>
+                <a16:creationId xmlns="" xmlns:a16="http://schemas.microsoft.com/office/drawing/2014/main" id="{F31EC136-C24B-A7ED-5EE7-CE47B87629AE}"/>
               </a:ext>
             </a:extLst>
           </p:cNvPr>
@@ -2816,7 +2816,7 @@
           <p:cNvPr id="3" name="Текст 2">
             <a:extLst>
               <a:ext uri="{FF2B5EF4-FFF2-40B4-BE49-F238E27FC236}">
-                <a16:creationId xmlns:a16="http://schemas.microsoft.com/office/drawing/2014/main" xmlns="" id="{165F657C-258F-190F-B938-EE43FEBCF6F2}"/>
+                <a16:creationId xmlns="" xmlns:a16="http://schemas.microsoft.com/office/drawing/2014/main" id="{165F657C-258F-190F-B938-EE43FEBCF6F2}"/>
               </a:ext>
             </a:extLst>
           </p:cNvPr>
@@ -2883,7 +2883,7 @@
           <p:cNvPr id="4" name="Дата 3">
             <a:extLst>
               <a:ext uri="{FF2B5EF4-FFF2-40B4-BE49-F238E27FC236}">
-                <a16:creationId xmlns:a16="http://schemas.microsoft.com/office/drawing/2014/main" xmlns="" id="{BE9D21DD-0FDE-6894-6BE1-A312DED06066}"/>
+                <a16:creationId xmlns="" xmlns:a16="http://schemas.microsoft.com/office/drawing/2014/main" id="{BE9D21DD-0FDE-6894-6BE1-A312DED06066}"/>
               </a:ext>
             </a:extLst>
           </p:cNvPr>
@@ -2930,7 +2930,7 @@
           <p:cNvPr id="5" name="Нижний колонтитул 4">
             <a:extLst>
               <a:ext uri="{FF2B5EF4-FFF2-40B4-BE49-F238E27FC236}">
-                <a16:creationId xmlns:a16="http://schemas.microsoft.com/office/drawing/2014/main" xmlns="" id="{5EDB71E8-D069-B2DA-5659-5C1C318A1558}"/>
+                <a16:creationId xmlns="" xmlns:a16="http://schemas.microsoft.com/office/drawing/2014/main" id="{5EDB71E8-D069-B2DA-5659-5C1C318A1558}"/>
               </a:ext>
             </a:extLst>
           </p:cNvPr>
@@ -2973,7 +2973,7 @@
           <p:cNvPr id="6" name="Номер слайда 5">
             <a:extLst>
               <a:ext uri="{FF2B5EF4-FFF2-40B4-BE49-F238E27FC236}">
-                <a16:creationId xmlns:a16="http://schemas.microsoft.com/office/drawing/2014/main" xmlns="" id="{3E6C122A-B2F4-2773-B624-E568D496E9EB}"/>
+                <a16:creationId xmlns="" xmlns:a16="http://schemas.microsoft.com/office/drawing/2014/main" id="{3E6C122A-B2F4-2773-B624-E568D496E9EB}"/>
               </a:ext>
             </a:extLst>
           </p:cNvPr>
@@ -3341,7 +3341,7 @@
           <p:cNvPr id="2" name="Заголовок 1">
             <a:extLst>
               <a:ext uri="{FF2B5EF4-FFF2-40B4-BE49-F238E27FC236}">
-                <a16:creationId xmlns:a16="http://schemas.microsoft.com/office/drawing/2014/main" xmlns="" id="{9668C6EE-4079-F427-42AE-995E57E8BCC3}"/>
+                <a16:creationId xmlns="" xmlns:a16="http://schemas.microsoft.com/office/drawing/2014/main" id="{9668C6EE-4079-F427-42AE-995E57E8BCC3}"/>
               </a:ext>
             </a:extLst>
           </p:cNvPr>
@@ -3381,7 +3381,7 @@
           <p:cNvPr id="3" name="Подзаголовок 2">
             <a:extLst>
               <a:ext uri="{FF2B5EF4-FFF2-40B4-BE49-F238E27FC236}">
-                <a16:creationId xmlns:a16="http://schemas.microsoft.com/office/drawing/2014/main" xmlns="" id="{99D6F154-AEB8-069F-07A5-F5162D238034}"/>
+                <a16:creationId xmlns="" xmlns:a16="http://schemas.microsoft.com/office/drawing/2014/main" id="{99D6F154-AEB8-069F-07A5-F5162D238034}"/>
               </a:ext>
             </a:extLst>
           </p:cNvPr>
@@ -3440,7 +3440,7 @@
           <p:cNvPr id="4" name="TextBox 3">
             <a:extLst>
               <a:ext uri="{FF2B5EF4-FFF2-40B4-BE49-F238E27FC236}">
-                <a16:creationId xmlns:a16="http://schemas.microsoft.com/office/drawing/2014/main" xmlns="" id="{7F98F4B1-A000-552E-2AF9-1A856A11B7B0}"/>
+                <a16:creationId xmlns="" xmlns:a16="http://schemas.microsoft.com/office/drawing/2014/main" id="{7F98F4B1-A000-552E-2AF9-1A856A11B7B0}"/>
               </a:ext>
             </a:extLst>
           </p:cNvPr>
@@ -3520,7 +3520,7 @@
           <p:cNvPr id="2" name="Заголовок 1">
             <a:extLst>
               <a:ext uri="{FF2B5EF4-FFF2-40B4-BE49-F238E27FC236}">
-                <a16:creationId xmlns:a16="http://schemas.microsoft.com/office/drawing/2014/main" xmlns="" id="{B6077075-76F6-5BB6-A6F6-C2C9370F2365}"/>
+                <a16:creationId xmlns="" xmlns:a16="http://schemas.microsoft.com/office/drawing/2014/main" id="{B6077075-76F6-5BB6-A6F6-C2C9370F2365}"/>
               </a:ext>
             </a:extLst>
           </p:cNvPr>
@@ -3645,7 +3645,7 @@
           <p:cNvPr id="2" name="Заголовок 1">
             <a:extLst>
               <a:ext uri="{FF2B5EF4-FFF2-40B4-BE49-F238E27FC236}">
-                <a16:creationId xmlns:a16="http://schemas.microsoft.com/office/drawing/2014/main" xmlns="" id="{204AA399-A15B-4AFB-4983-7A8F6800EBAE}"/>
+                <a16:creationId xmlns="" xmlns:a16="http://schemas.microsoft.com/office/drawing/2014/main" id="{204AA399-A15B-4AFB-4983-7A8F6800EBAE}"/>
               </a:ext>
             </a:extLst>
           </p:cNvPr>
@@ -3694,7 +3694,7 @@
           <p:cNvPr id="3" name="Объект 2">
             <a:extLst>
               <a:ext uri="{FF2B5EF4-FFF2-40B4-BE49-F238E27FC236}">
-                <a16:creationId xmlns:a16="http://schemas.microsoft.com/office/drawing/2014/main" xmlns="" id="{584EAE41-4102-B565-8727-86BD50D0CB13}"/>
+                <a16:creationId xmlns="" xmlns:a16="http://schemas.microsoft.com/office/drawing/2014/main" id="{584EAE41-4102-B565-8727-86BD50D0CB13}"/>
               </a:ext>
             </a:extLst>
           </p:cNvPr>
@@ -3825,7 +3825,7 @@
           <p:cNvPr id="2" name="Заголовок 1">
             <a:extLst>
               <a:ext uri="{FF2B5EF4-FFF2-40B4-BE49-F238E27FC236}">
-                <a16:creationId xmlns:a16="http://schemas.microsoft.com/office/drawing/2014/main" xmlns="" id="{503FD572-8FC8-B0FA-C49C-C046896FE4DB}"/>
+                <a16:creationId xmlns="" xmlns:a16="http://schemas.microsoft.com/office/drawing/2014/main" id="{503FD572-8FC8-B0FA-C49C-C046896FE4DB}"/>
               </a:ext>
             </a:extLst>
           </p:cNvPr>
@@ -3853,7 +3853,7 @@
           <p:cNvPr id="3" name="Объект 2">
             <a:extLst>
               <a:ext uri="{FF2B5EF4-FFF2-40B4-BE49-F238E27FC236}">
-                <a16:creationId xmlns:a16="http://schemas.microsoft.com/office/drawing/2014/main" xmlns="" id="{3E42F224-6C29-2346-E2ED-D4519058112B}"/>
+                <a16:creationId xmlns="" xmlns:a16="http://schemas.microsoft.com/office/drawing/2014/main" id="{3E42F224-6C29-2346-E2ED-D4519058112B}"/>
               </a:ext>
             </a:extLst>
           </p:cNvPr>
@@ -3894,18 +3894,13 @@
               <a:buAutoNum type="arabicPeriod"/>
             </a:pPr>
             <a:r>
-              <a:rPr lang="ru-RU" dirty="0"/>
-              <a:t>Интерфейс приложения для</a:t>
-            </a:r>
-            <a:r>
-              <a:rPr lang="en-US" dirty="0"/>
-              <a:t> </a:t>
-            </a:r>
-            <a:r>
-              <a:rPr lang="en-US" dirty="0" err="1"/>
-              <a:t>deskto</a:t>
-            </a:r>
-            <a:endParaRPr lang="ru-RU" dirty="0"/>
+              <a:rPr lang="en-US" dirty="0" smtClean="0"/>
+              <a:t>Desktop </a:t>
+            </a:r>
+            <a:r>
+              <a:rPr lang="ru-RU" dirty="0" smtClean="0"/>
+              <a:t>приложение</a:t>
+            </a:r>
           </a:p>
           <a:p>
             <a:pPr marL="514350" indent="-514350">
@@ -3913,12 +3908,16 @@
               <a:buAutoNum type="arabicPeriod"/>
             </a:pPr>
             <a:r>
-              <a:rPr lang="en-US" dirty="0" err="1"/>
+              <a:rPr lang="en-US" dirty="0" err="1" smtClean="0"/>
               <a:t>WireFrame</a:t>
             </a:r>
             <a:r>
+              <a:rPr lang="ru-RU" dirty="0" smtClean="0"/>
+              <a:t> </a:t>
+            </a:r>
+            <a:r>
               <a:rPr lang="ru-RU" dirty="0"/>
-              <a:t> для мобильного приложения</a:t>
+              <a:t>для мобильного приложения</a:t>
             </a:r>
           </a:p>
           <a:p>
@@ -3928,7 +3927,15 @@
             </a:pPr>
             <a:r>
               <a:rPr lang="ru-RU" dirty="0"/>
-              <a:t>Интерфейс мобильного приложения</a:t>
+              <a:t>М</a:t>
+            </a:r>
+            <a:r>
+              <a:rPr lang="ru-RU" dirty="0" smtClean="0"/>
+              <a:t>обильного </a:t>
+            </a:r>
+            <a:r>
+              <a:rPr lang="ru-RU" dirty="0"/>
+              <a:t>приложения</a:t>
             </a:r>
             <a:r>
               <a:rPr lang="en-US" dirty="0"/>
@@ -3997,7 +4004,7 @@
           <p:cNvPr id="2" name="Заголовок 1">
             <a:extLst>
               <a:ext uri="{FF2B5EF4-FFF2-40B4-BE49-F238E27FC236}">
-                <a16:creationId xmlns:a16="http://schemas.microsoft.com/office/drawing/2014/main" xmlns="" id="{6278F6C6-9B3E-C100-CEE2-383F33628048}"/>
+                <a16:creationId xmlns="" xmlns:a16="http://schemas.microsoft.com/office/drawing/2014/main" id="{6278F6C6-9B3E-C100-CEE2-383F33628048}"/>
               </a:ext>
             </a:extLst>
           </p:cNvPr>
@@ -4046,7 +4053,7 @@
           <p:cNvPr id="3" name="Объект 2">
             <a:extLst>
               <a:ext uri="{FF2B5EF4-FFF2-40B4-BE49-F238E27FC236}">
-                <a16:creationId xmlns:a16="http://schemas.microsoft.com/office/drawing/2014/main" xmlns="" id="{BD38BB13-87FC-64C8-0A5C-C8D1D1ECB9DD}"/>
+                <a16:creationId xmlns="" xmlns:a16="http://schemas.microsoft.com/office/drawing/2014/main" id="{BD38BB13-87FC-64C8-0A5C-C8D1D1ECB9DD}"/>
               </a:ext>
             </a:extLst>
           </p:cNvPr>
@@ -4407,7 +4414,7 @@
           <p:cNvPr id="1026" name="Picture 2" descr="Picture background">
             <a:extLst>
               <a:ext uri="{FF2B5EF4-FFF2-40B4-BE49-F238E27FC236}">
-                <a16:creationId xmlns:a16="http://schemas.microsoft.com/office/drawing/2014/main" xmlns="" id="{85FF5FA8-5358-98F3-8FDB-587C911A16FF}"/>
+                <a16:creationId xmlns="" xmlns:a16="http://schemas.microsoft.com/office/drawing/2014/main" id="{85FF5FA8-5358-98F3-8FDB-587C911A16FF}"/>
               </a:ext>
             </a:extLst>
           </p:cNvPr>
@@ -4482,7 +4489,7 @@
           <p:cNvPr id="2" name="Заголовок 1">
             <a:extLst>
               <a:ext uri="{FF2B5EF4-FFF2-40B4-BE49-F238E27FC236}">
-                <a16:creationId xmlns:a16="http://schemas.microsoft.com/office/drawing/2014/main" xmlns="" id="{E07361BF-92E6-E144-15FE-DAFAC26EC821}"/>
+                <a16:creationId xmlns="" xmlns:a16="http://schemas.microsoft.com/office/drawing/2014/main" id="{E07361BF-92E6-E144-15FE-DAFAC26EC821}"/>
               </a:ext>
             </a:extLst>
           </p:cNvPr>
@@ -4519,7 +4526,7 @@
           <p:cNvPr id="3" name="Объект 2">
             <a:extLst>
               <a:ext uri="{FF2B5EF4-FFF2-40B4-BE49-F238E27FC236}">
-                <a16:creationId xmlns:a16="http://schemas.microsoft.com/office/drawing/2014/main" xmlns="" id="{629AC7A4-7F55-03EE-FCC5-97611BBC9FDA}"/>
+                <a16:creationId xmlns="" xmlns:a16="http://schemas.microsoft.com/office/drawing/2014/main" id="{629AC7A4-7F55-03EE-FCC5-97611BBC9FDA}"/>
               </a:ext>
             </a:extLst>
           </p:cNvPr>
@@ -4667,18 +4674,25 @@
               <a:t>Основная функция </a:t>
             </a:r>
             <a:r>
-              <a:rPr lang="en-US" b="1" dirty="0" err="1" smtClean="0">
-                <a:latin typeface="Times New Roman" pitchFamily="18" charset="0"/>
-                <a:cs typeface="Times New Roman" pitchFamily="18" charset="0"/>
-              </a:rPr>
-              <a:t>desctop</a:t>
-            </a:r>
-            <a:r>
               <a:rPr lang="en-US" b="1" dirty="0" smtClean="0">
                 <a:latin typeface="Times New Roman" pitchFamily="18" charset="0"/>
                 <a:cs typeface="Times New Roman" pitchFamily="18" charset="0"/>
               </a:rPr>
-              <a:t> </a:t>
+              <a:t>des</a:t>
+            </a:r>
+            <a:r>
+              <a:rPr lang="en-US" b="1" dirty="0">
+                <a:latin typeface="Times New Roman" pitchFamily="18" charset="0"/>
+                <a:cs typeface="Times New Roman" pitchFamily="18" charset="0"/>
+              </a:rPr>
+              <a:t>k</a:t>
+            </a:r>
+            <a:r>
+              <a:rPr lang="en-US" b="1" dirty="0" smtClean="0">
+                <a:latin typeface="Times New Roman" pitchFamily="18" charset="0"/>
+                <a:cs typeface="Times New Roman" pitchFamily="18" charset="0"/>
+              </a:rPr>
+              <a:t>top </a:t>
             </a:r>
             <a:r>
               <a:rPr lang="ru-RU" b="1" dirty="0" smtClean="0">
@@ -4777,7 +4791,7 @@
           <p:cNvPr id="2" name="Заголовок 1">
             <a:extLst>
               <a:ext uri="{FF2B5EF4-FFF2-40B4-BE49-F238E27FC236}">
-                <a16:creationId xmlns:a16="http://schemas.microsoft.com/office/drawing/2014/main" xmlns="" id="{89ACB7A4-571D-6C50-E813-82BB0716190A}"/>
+                <a16:creationId xmlns="" xmlns:a16="http://schemas.microsoft.com/office/drawing/2014/main" id="{89ACB7A4-571D-6C50-E813-82BB0716190A}"/>
               </a:ext>
             </a:extLst>
           </p:cNvPr>
@@ -5040,7 +5054,7 @@
           <p:cNvPr id="2" name="Заголовок 1">
             <a:extLst>
               <a:ext uri="{FF2B5EF4-FFF2-40B4-BE49-F238E27FC236}">
-                <a16:creationId xmlns:a16="http://schemas.microsoft.com/office/drawing/2014/main" xmlns="" id="{C57DB910-1141-77D6-AAC0-F2670C047B10}"/>
+                <a16:creationId xmlns="" xmlns:a16="http://schemas.microsoft.com/office/drawing/2014/main" id="{C57DB910-1141-77D6-AAC0-F2670C047B10}"/>
               </a:ext>
             </a:extLst>
           </p:cNvPr>
@@ -5514,7 +5528,7 @@
   <a:extraClrSchemeLst/>
   <a:extLst>
     <a:ext uri="{05A4C25C-085E-4340-85A3-A5531E510DB2}">
-      <thm15:themeFamily xmlns:thm15="http://schemas.microsoft.com/office/thememl/2012/main" xmlns="" name="Office Theme" id="{2E142A2C-CD16-42D6-873A-C26D2A0506FA}" vid="{1BDDFF52-6CD6-40A5-AB3C-68EB2F1E4D0A}"/>
+      <thm15:themeFamily xmlns="" xmlns:thm15="http://schemas.microsoft.com/office/thememl/2012/main" name="Office Theme" id="{2E142A2C-CD16-42D6-873A-C26D2A0506FA}" vid="{1BDDFF52-6CD6-40A5-AB3C-68EB2F1E4D0A}"/>
     </a:ext>
   </a:extLst>
 </a:theme>
